--- a/CFD_저널 분석 ppt.pptx
+++ b/CFD_저널 분석 ppt.pptx
@@ -5,7 +5,7 @@
     <p:sldMasterId id="2147483663" r:id="rId1"/>
   </p:sldMasterIdLst>
   <p:notesMasterIdLst>
-    <p:notesMasterId r:id="rId14"/>
+    <p:notesMasterId r:id="rId16"/>
   </p:notesMasterIdLst>
   <p:sldIdLst>
     <p:sldId id="256" r:id="rId2"/>
@@ -19,7 +19,9 @@
     <p:sldId id="482" r:id="rId10"/>
     <p:sldId id="483" r:id="rId11"/>
     <p:sldId id="484" r:id="rId12"/>
-    <p:sldId id="485" r:id="rId13"/>
+    <p:sldId id="487" r:id="rId13"/>
+    <p:sldId id="485" r:id="rId14"/>
+    <p:sldId id="486" r:id="rId15"/>
   </p:sldIdLst>
   <p:sldSz cx="12192000" cy="6858000"/>
   <p:notesSz cx="6858000" cy="9144000"/>
@@ -5488,7 +5490,7 @@
             </a:r>
             <a:r>
               <a:rPr lang="en-US" altLang="ko-KR" dirty="0"/>
-              <a:t>: </a:t>
+              <a:t>(Submission to decision after review): 113 days(</a:t>
             </a:r>
             <a:r>
               <a:rPr lang="ko-KR" altLang="ko-KR" dirty="0"/>
@@ -5502,7 +5504,10 @@
               <a:rPr lang="ko-KR" altLang="ko-KR" dirty="0"/>
               <a:t>개월</a:t>
             </a:r>
-            <a:endParaRPr lang="en-US" altLang="ko-KR" dirty="0"/>
+            <a:r>
+              <a:rPr lang="en-US" altLang="ko-KR" dirty="0"/>
+              <a:t>)</a:t>
+            </a:r>
           </a:p>
           <a:p>
             <a:r>
@@ -5516,10 +5521,6 @@
           </a:p>
           <a:p>
             <a:r>
-              <a:rPr lang="ko-KR" altLang="ko-KR" dirty="0"/>
-              <a:t> </a:t>
-            </a:r>
-            <a:r>
               <a:rPr lang="ko-KR" altLang="ko-KR" dirty="0" err="1"/>
               <a:t>게재료</a:t>
             </a:r>
@@ -5527,7 +5528,32 @@
               <a:rPr lang="en-US" altLang="ko-KR" dirty="0"/>
               <a:t>: APC: USD 4,030 (Open Access only); Subscription option is free for authors</a:t>
             </a:r>
-            <a:endParaRPr lang="ko-KR" altLang="en-US" dirty="0"/>
+          </a:p>
+          <a:p>
+            <a:pPr marL="0" indent="0">
+              <a:buNone/>
+            </a:pPr>
+            <a:r>
+              <a:rPr lang="en-US" altLang="ko-KR" sz="1200" dirty="0"/>
+              <a:t>* Open access</a:t>
+            </a:r>
+            <a:r>
+              <a:rPr lang="ko-KR" altLang="en-US" sz="1200" dirty="0"/>
+              <a:t>일 때는 </a:t>
+            </a:r>
+            <a:r>
+              <a:rPr lang="en-US" altLang="ko-KR" sz="1200" dirty="0"/>
+              <a:t>4030$, subscription</a:t>
+            </a:r>
+            <a:r>
+              <a:rPr lang="ko-KR" altLang="en-US" sz="1200" dirty="0"/>
+              <a:t>일 때는 </a:t>
+            </a:r>
+            <a:r>
+              <a:rPr lang="en-US" altLang="ko-KR" sz="1200" dirty="0"/>
+              <a:t>free</a:t>
+            </a:r>
+            <a:endParaRPr lang="ko-KR" altLang="en-US" sz="1200" dirty="0"/>
           </a:p>
         </p:txBody>
       </p:sp>
@@ -5553,7 +5579,7 @@
         </p:blipFill>
         <p:spPr>
           <a:xfrm>
-            <a:off x="581192" y="4386942"/>
+            <a:off x="581192" y="4586167"/>
             <a:ext cx="5731510" cy="453390"/>
           </a:xfrm>
           <a:prstGeom prst="rect">
@@ -5583,7 +5609,7 @@
         </p:blipFill>
         <p:spPr>
           <a:xfrm>
-            <a:off x="581192" y="5071686"/>
+            <a:off x="581192" y="5301841"/>
             <a:ext cx="4573905" cy="956945"/>
           </a:xfrm>
           <a:prstGeom prst="rect">
@@ -5668,7 +5694,7 @@
         <p:spPr>
           <a:xfrm>
             <a:off x="581192" y="2180496"/>
-            <a:ext cx="11029615" cy="4344712"/>
+            <a:ext cx="11029615" cy="1856549"/>
           </a:xfrm>
         </p:spPr>
         <p:txBody>
@@ -5679,7 +5705,7 @@
           <a:p>
             <a:pPr latinLnBrk="1"/>
             <a:r>
-              <a:rPr lang="ko-KR" altLang="ko-KR" dirty="0"/>
+              <a:rPr lang="ko-KR" altLang="ko-KR" sz="1900" dirty="0"/>
               <a:t>저널 구성</a:t>
             </a:r>
           </a:p>
@@ -5689,13 +5715,46 @@
               <a:buChar char="•"/>
             </a:pPr>
             <a:r>
-              <a:rPr lang="ko-KR" altLang="ko-KR" dirty="0" err="1"/>
+              <a:rPr lang="ko-KR" altLang="ko-KR" sz="1700" dirty="0" err="1"/>
               <a:t>풍공학</a:t>
             </a:r>
             <a:r>
-              <a:rPr lang="ko-KR" altLang="ko-KR" dirty="0"/>
+              <a:rPr lang="ko-KR" altLang="ko-KR" sz="1700" dirty="0"/>
               <a:t> 및 공기역학을 중심으로 한 정량적 연구논문 게재</a:t>
             </a:r>
+            <a:r>
+              <a:rPr lang="en-US" altLang="ko-KR" sz="1700" dirty="0"/>
+              <a:t>(</a:t>
+            </a:r>
+            <a:r>
+              <a:rPr lang="ko-KR" altLang="en-US" sz="1600" dirty="0"/>
+              <a:t>바람의 특성과 구조</a:t>
+            </a:r>
+            <a:r>
+              <a:rPr lang="en-US" altLang="ko-KR" sz="1600" dirty="0"/>
+              <a:t>, </a:t>
+            </a:r>
+            <a:r>
+              <a:rPr lang="ko-KR" altLang="en-US" sz="1600" dirty="0"/>
+              <a:t>풍하중과 구조물의 응답</a:t>
+            </a:r>
+            <a:r>
+              <a:rPr lang="en-US" altLang="ko-KR" sz="1600" dirty="0"/>
+              <a:t>, </a:t>
+            </a:r>
+            <a:r>
+              <a:rPr lang="ko-KR" altLang="en-US" sz="1600" dirty="0"/>
+              <a:t>공기역학적 측면</a:t>
+            </a:r>
+            <a:r>
+              <a:rPr lang="en-US" altLang="ko-KR" sz="1600" dirty="0"/>
+              <a:t>…</a:t>
+            </a:r>
+            <a:r>
+              <a:rPr lang="en-US" altLang="ko-KR" sz="1700" dirty="0"/>
+              <a:t>)</a:t>
+            </a:r>
+            <a:endParaRPr lang="ko-KR" altLang="ko-KR" sz="1700" dirty="0"/>
           </a:p>
           <a:p>
             <a:pPr lvl="0" latinLnBrk="1">
@@ -5703,10 +5762,56 @@
               <a:buChar char="•"/>
             </a:pPr>
             <a:r>
-              <a:rPr lang="ko-KR" altLang="ko-KR" dirty="0"/>
+              <a:rPr lang="ko-KR" altLang="ko-KR" sz="1700" dirty="0"/>
               <a:t>실험 및 수치해석 기반 연구</a:t>
             </a:r>
-            <a:endParaRPr lang="en-US" altLang="ko-KR" dirty="0"/>
+            <a:endParaRPr lang="en-US" altLang="ko-KR" sz="1700" dirty="0"/>
+          </a:p>
+          <a:p>
+            <a:pPr lvl="0" latinLnBrk="1">
+              <a:buFont typeface="Arial" panose="020B0604020202020204" pitchFamily="34" charset="0"/>
+              <a:buChar char="•"/>
+            </a:pPr>
+            <a:r>
+              <a:rPr lang="ko-KR" altLang="en-US" sz="1700" dirty="0"/>
+              <a:t>실물 규모 실측 연구</a:t>
+            </a:r>
+            <a:r>
+              <a:rPr lang="en-US" altLang="ko-KR" sz="1700" dirty="0"/>
+              <a:t>, </a:t>
+            </a:r>
+            <a:r>
+              <a:rPr lang="ko-KR" altLang="en-US" sz="1700" dirty="0" err="1"/>
+              <a:t>풍동</a:t>
+            </a:r>
+            <a:r>
+              <a:rPr lang="ko-KR" altLang="en-US" sz="1700" dirty="0"/>
+              <a:t> 실험 연구</a:t>
+            </a:r>
+            <a:r>
+              <a:rPr lang="en-US" altLang="ko-KR" sz="1700" dirty="0"/>
+              <a:t>, </a:t>
+            </a:r>
+            <a:r>
+              <a:rPr lang="ko-KR" altLang="en-US" sz="1700" dirty="0"/>
+              <a:t>전산 해석 또는 이론적 방법을 다룬 논문 게재</a:t>
+            </a:r>
+            <a:endParaRPr lang="en-US" altLang="ko-KR" sz="1700" dirty="0"/>
+          </a:p>
+          <a:p>
+            <a:pPr lvl="0" latinLnBrk="1">
+              <a:buFont typeface="Arial" panose="020B0604020202020204" pitchFamily="34" charset="0"/>
+              <a:buChar char="•"/>
+            </a:pPr>
+            <a:r>
+              <a:rPr lang="ko-KR" altLang="en-US" sz="1700" dirty="0" err="1"/>
+              <a:t>풍공학</a:t>
+            </a:r>
+            <a:r>
+              <a:rPr lang="ko-KR" altLang="en-US" sz="1700" dirty="0"/>
+              <a:t> 실험을 위한 기법 및 실험 장치의 개발을 다룬 논문</a:t>
+            </a:r>
+            <a:endParaRPr lang="en-US" altLang="ko-KR" sz="1700" dirty="0"/>
           </a:p>
           <a:p>
             <a:pPr marL="0" lvl="0" indent="0" latinLnBrk="1">
@@ -5714,173 +5819,68 @@
             </a:pPr>
             <a:endParaRPr lang="ko-KR" altLang="ko-KR" dirty="0"/>
           </a:p>
-          <a:p>
-            <a:pPr lvl="0" latinLnBrk="1"/>
-            <a:r>
-              <a:rPr lang="en-US" altLang="ko-KR" dirty="0"/>
-              <a:t>CFD simulation of aerodynamic forces on the </a:t>
-            </a:r>
-            <a:r>
-              <a:rPr lang="en-US" altLang="ko-KR" dirty="0" err="1"/>
-              <a:t>DrivAer</a:t>
-            </a:r>
-            <a:r>
-              <a:rPr lang="en-US" altLang="ko-KR" dirty="0"/>
-              <a:t> car model: Impact of computational parameters </a:t>
-            </a:r>
-            <a:r>
-              <a:rPr lang="ko-KR" altLang="en-US" dirty="0"/>
-              <a:t>읽는 방법</a:t>
-            </a:r>
-            <a:endParaRPr lang="ko-KR" altLang="ko-KR" dirty="0"/>
-          </a:p>
-          <a:p>
-            <a:pPr lvl="0" latinLnBrk="1">
-              <a:buFont typeface="Arial" panose="020B0604020202020204" pitchFamily="34" charset="0"/>
-              <a:buChar char="•"/>
-            </a:pPr>
-            <a:r>
-              <a:rPr lang="en-US" altLang="ko-KR" dirty="0"/>
-              <a:t>Abstract: </a:t>
-            </a:r>
-            <a:r>
-              <a:rPr lang="ko-KR" altLang="ko-KR" dirty="0"/>
-              <a:t>무엇을 바꿨는지</a:t>
-            </a:r>
-            <a:r>
-              <a:rPr lang="en-US" altLang="ko-KR" dirty="0"/>
-              <a:t>/</a:t>
-            </a:r>
-            <a:r>
-              <a:rPr lang="ko-KR" altLang="ko-KR" dirty="0"/>
-              <a:t>무엇을 비교했는지</a:t>
-            </a:r>
-            <a:r>
-              <a:rPr lang="en-US" altLang="ko-KR" dirty="0"/>
-              <a:t>/</a:t>
-            </a:r>
-            <a:r>
-              <a:rPr lang="ko-KR" altLang="ko-KR" dirty="0"/>
-              <a:t>결론 방향</a:t>
-            </a:r>
-          </a:p>
-          <a:p>
-            <a:pPr lvl="0" latinLnBrk="1">
-              <a:buFont typeface="Arial" panose="020B0604020202020204" pitchFamily="34" charset="0"/>
-              <a:buChar char="•"/>
-            </a:pPr>
-            <a:r>
-              <a:rPr lang="en-US" altLang="ko-KR" dirty="0"/>
-              <a:t>Introduction: </a:t>
-            </a:r>
-            <a:r>
-              <a:rPr lang="ko-KR" altLang="ko-KR" dirty="0"/>
-              <a:t>왜</a:t>
-            </a:r>
-            <a:r>
-              <a:rPr lang="en-US" altLang="ko-KR" dirty="0"/>
-              <a:t> </a:t>
-            </a:r>
-            <a:r>
-              <a:rPr lang="en-US" altLang="ko-KR" dirty="0" err="1"/>
-              <a:t>DrivAer</a:t>
-            </a:r>
-            <a:r>
-              <a:rPr lang="en-US" altLang="ko-KR" dirty="0"/>
-              <a:t> </a:t>
-            </a:r>
-            <a:r>
-              <a:rPr lang="ko-KR" altLang="ko-KR" dirty="0"/>
-              <a:t>모델 사용</a:t>
-            </a:r>
-            <a:r>
-              <a:rPr lang="en-US" altLang="ko-KR" dirty="0"/>
-              <a:t>/</a:t>
-            </a:r>
-            <a:r>
-              <a:rPr lang="ko-KR" altLang="ko-KR" dirty="0"/>
-              <a:t>기존 연구의 문제점</a:t>
-            </a:r>
-          </a:p>
-          <a:p>
-            <a:pPr lvl="0" latinLnBrk="1">
-              <a:buFont typeface="Arial" panose="020B0604020202020204" pitchFamily="34" charset="0"/>
-              <a:buChar char="•"/>
-            </a:pPr>
-            <a:r>
-              <a:rPr lang="en-US" altLang="ko-KR" dirty="0"/>
-              <a:t>Geometry &amp; Computational Setup</a:t>
-            </a:r>
-            <a:endParaRPr lang="ko-KR" altLang="ko-KR" dirty="0"/>
-          </a:p>
-          <a:p>
-            <a:pPr lvl="0" latinLnBrk="1">
-              <a:buFont typeface="Arial" panose="020B0604020202020204" pitchFamily="34" charset="0"/>
-              <a:buChar char="•"/>
-            </a:pPr>
-            <a:r>
-              <a:rPr lang="en-US" altLang="ko-KR" dirty="0"/>
-              <a:t>Results: </a:t>
-            </a:r>
-            <a:r>
-              <a:rPr lang="ko-KR" altLang="ko-KR" dirty="0"/>
-              <a:t>변화의 추세</a:t>
-            </a:r>
-          </a:p>
-          <a:p>
-            <a:pPr lvl="0" latinLnBrk="1">
-              <a:buFont typeface="Arial" panose="020B0604020202020204" pitchFamily="34" charset="0"/>
-              <a:buChar char="•"/>
-            </a:pPr>
-            <a:r>
-              <a:rPr lang="en-US" altLang="ko-KR" dirty="0"/>
-              <a:t>Discussion: </a:t>
-            </a:r>
-            <a:r>
-              <a:rPr lang="ko-KR" altLang="ko-KR" dirty="0"/>
-              <a:t>저자의 논리 따라가며 읽기</a:t>
-            </a:r>
-          </a:p>
-          <a:p>
-            <a:pPr lvl="0" latinLnBrk="1">
-              <a:buFont typeface="Arial" panose="020B0604020202020204" pitchFamily="34" charset="0"/>
-              <a:buChar char="•"/>
-            </a:pPr>
-            <a:r>
-              <a:rPr lang="en-US" altLang="ko-KR" dirty="0"/>
-              <a:t>Conclusions: </a:t>
-            </a:r>
-            <a:r>
-              <a:rPr lang="ko-KR" altLang="ko-KR" dirty="0"/>
-              <a:t>논문 </a:t>
-            </a:r>
-            <a:r>
-              <a:rPr lang="ko-KR" altLang="ko-KR" dirty="0" err="1"/>
-              <a:t>한줄로</a:t>
-            </a:r>
-            <a:r>
-              <a:rPr lang="ko-KR" altLang="ko-KR" dirty="0"/>
-              <a:t> 요약</a:t>
-            </a:r>
-            <a:r>
-              <a:rPr lang="en-US" altLang="ko-KR" dirty="0"/>
-              <a:t> -&gt; </a:t>
-            </a:r>
-            <a:r>
-              <a:rPr lang="ko-KR" altLang="ko-KR" dirty="0"/>
-              <a:t>자동차 공력</a:t>
-            </a:r>
-            <a:r>
-              <a:rPr lang="en-US" altLang="ko-KR" dirty="0"/>
-              <a:t> CFD </a:t>
-            </a:r>
-            <a:r>
-              <a:rPr lang="ko-KR" altLang="ko-KR" dirty="0"/>
-              <a:t>해석에서 계산 조건 선택이 결과에 미치는 영향을 체계적으로 분석한 연구 </a:t>
-            </a:r>
-          </a:p>
-        </p:txBody>
-      </p:sp>
+        </p:txBody>
+      </p:sp>
+      <p:pic>
+        <p:nvPicPr>
+          <p:cNvPr id="5" name="그림 4" descr="텍스트, 스크린샷, 소프트웨어, 웹 페이지이(가) 표시된 사진&#10;&#10;AI 생성 콘텐츠는 정확하지 않을 수 있습니다.">
+            <a:extLst>
+              <a:ext uri="{FF2B5EF4-FFF2-40B4-BE49-F238E27FC236}">
+                <a16:creationId xmlns:a16="http://schemas.microsoft.com/office/drawing/2014/main" id="{5B9DA7BA-98A2-F0CE-E01E-3C6603EF0331}"/>
+              </a:ext>
+            </a:extLst>
+          </p:cNvPr>
+          <p:cNvPicPr>
+            <a:picLocks noChangeAspect="1"/>
+          </p:cNvPicPr>
+          <p:nvPr/>
+        </p:nvPicPr>
+        <p:blipFill>
+          <a:blip r:embed="rId2"/>
+          <a:stretch>
+            <a:fillRect/>
+          </a:stretch>
+        </p:blipFill>
+        <p:spPr>
+          <a:xfrm>
+            <a:off x="652806" y="3805022"/>
+            <a:ext cx="6669348" cy="2903376"/>
+          </a:xfrm>
+          <a:prstGeom prst="rect">
+            <a:avLst/>
+          </a:prstGeom>
+        </p:spPr>
+      </p:pic>
+      <p:pic>
+        <p:nvPicPr>
+          <p:cNvPr id="7" name="그림 6" descr="텍스트, 스크린샷, 폰트, 문서이(가) 표시된 사진&#10;&#10;AI 생성 콘텐츠는 정확하지 않을 수 있습니다.">
+            <a:extLst>
+              <a:ext uri="{FF2B5EF4-FFF2-40B4-BE49-F238E27FC236}">
+                <a16:creationId xmlns:a16="http://schemas.microsoft.com/office/drawing/2014/main" id="{6DF1BF4A-D64A-F763-CACC-8E4800259689}"/>
+              </a:ext>
+            </a:extLst>
+          </p:cNvPr>
+          <p:cNvPicPr>
+            <a:picLocks noChangeAspect="1"/>
+          </p:cNvPicPr>
+          <p:nvPr/>
+        </p:nvPicPr>
+        <p:blipFill>
+          <a:blip r:embed="rId3"/>
+          <a:stretch>
+            <a:fillRect/>
+          </a:stretch>
+        </p:blipFill>
+        <p:spPr>
+          <a:xfrm>
+            <a:off x="8055231" y="3805022"/>
+            <a:ext cx="3122842" cy="3004138"/>
+          </a:xfrm>
+          <a:prstGeom prst="rect">
+            <a:avLst/>
+          </a:prstGeom>
+        </p:spPr>
+      </p:pic>
     </p:spTree>
     <p:extLst>
       <p:ext uri="{BB962C8B-B14F-4D97-AF65-F5344CB8AC3E}">
@@ -5895,6 +5895,315 @@
 </file>
 
 <file path=ppt/slides/slide12.xml><?xml version="1.0" encoding="utf-8"?>
+<p:sld xmlns:a="http://schemas.openxmlformats.org/drawingml/2006/main" xmlns:r="http://schemas.openxmlformats.org/officeDocument/2006/relationships" xmlns:p="http://schemas.openxmlformats.org/presentationml/2006/main">
+  <p:cSld>
+    <p:spTree>
+      <p:nvGrpSpPr>
+        <p:cNvPr id="1" name=""/>
+        <p:cNvGrpSpPr/>
+        <p:nvPr/>
+      </p:nvGrpSpPr>
+      <p:grpSpPr>
+        <a:xfrm>
+          <a:off x="0" y="0"/>
+          <a:ext cx="0" cy="0"/>
+          <a:chOff x="0" y="0"/>
+          <a:chExt cx="0" cy="0"/>
+        </a:xfrm>
+      </p:grpSpPr>
+      <p:sp>
+        <p:nvSpPr>
+          <p:cNvPr id="2" name="제목 1">
+            <a:extLst>
+              <a:ext uri="{FF2B5EF4-FFF2-40B4-BE49-F238E27FC236}">
+                <a16:creationId xmlns:a16="http://schemas.microsoft.com/office/drawing/2014/main" id="{D4DD14AB-8349-57F6-3B84-3E76E3CA5AE2}"/>
+              </a:ext>
+            </a:extLst>
+          </p:cNvPr>
+          <p:cNvSpPr>
+            <a:spLocks noGrp="1"/>
+          </p:cNvSpPr>
+          <p:nvPr>
+            <p:ph type="title"/>
+          </p:nvPr>
+        </p:nvSpPr>
+        <p:spPr/>
+        <p:txBody>
+          <a:bodyPr/>
+          <a:lstStyle/>
+          <a:p>
+            <a:r>
+              <a:rPr lang="ko-KR" altLang="en-US" dirty="0"/>
+              <a:t>분석 결과</a:t>
+            </a:r>
+          </a:p>
+        </p:txBody>
+      </p:sp>
+      <p:sp>
+        <p:nvSpPr>
+          <p:cNvPr id="3" name="내용 개체 틀 2">
+            <a:extLst>
+              <a:ext uri="{FF2B5EF4-FFF2-40B4-BE49-F238E27FC236}">
+                <a16:creationId xmlns:a16="http://schemas.microsoft.com/office/drawing/2014/main" id="{7E4B9C37-2E69-7147-9E17-5889291B2121}"/>
+              </a:ext>
+            </a:extLst>
+          </p:cNvPr>
+          <p:cNvSpPr>
+            <a:spLocks noGrp="1"/>
+          </p:cNvSpPr>
+          <p:nvPr>
+            <p:ph idx="1"/>
+          </p:nvPr>
+        </p:nvSpPr>
+        <p:spPr>
+          <a:xfrm>
+            <a:off x="581192" y="1993883"/>
+            <a:ext cx="11029615" cy="3492517"/>
+          </a:xfrm>
+        </p:spPr>
+        <p:txBody>
+          <a:bodyPr/>
+          <a:lstStyle/>
+          <a:p>
+            <a:pPr lvl="0" latinLnBrk="1"/>
+            <a:r>
+              <a:rPr lang="en-US" altLang="ko-KR" dirty="0"/>
+              <a:t>CFD simulation of aerodynamic forces on the </a:t>
+            </a:r>
+            <a:r>
+              <a:rPr lang="en-US" altLang="ko-KR" dirty="0" err="1"/>
+              <a:t>DrivAer</a:t>
+            </a:r>
+            <a:r>
+              <a:rPr lang="en-US" altLang="ko-KR" dirty="0"/>
+              <a:t> car model: Impact of computational parameters </a:t>
+            </a:r>
+            <a:endParaRPr lang="ko-KR" altLang="ko-KR" dirty="0"/>
+          </a:p>
+          <a:p>
+            <a:pPr lvl="0" latinLnBrk="1">
+              <a:buFont typeface="Arial" panose="020B0604020202020204" pitchFamily="34" charset="0"/>
+              <a:buChar char="•"/>
+            </a:pPr>
+            <a:r>
+              <a:rPr lang="en-US" altLang="ko-KR" sz="1600" dirty="0"/>
+              <a:t>Abstract: </a:t>
+            </a:r>
+            <a:r>
+              <a:rPr lang="ko-KR" altLang="ko-KR" sz="1600" dirty="0"/>
+              <a:t>무엇을 바꿨는지</a:t>
+            </a:r>
+            <a:r>
+              <a:rPr lang="en-US" altLang="ko-KR" sz="1600" dirty="0"/>
+              <a:t>/</a:t>
+            </a:r>
+            <a:r>
+              <a:rPr lang="ko-KR" altLang="ko-KR" sz="1600" dirty="0"/>
+              <a:t>무엇을 비교했는지</a:t>
+            </a:r>
+            <a:r>
+              <a:rPr lang="en-US" altLang="ko-KR" sz="1600" dirty="0"/>
+              <a:t>/</a:t>
+            </a:r>
+            <a:r>
+              <a:rPr lang="ko-KR" altLang="ko-KR" sz="1600" dirty="0"/>
+              <a:t>결론 방향</a:t>
+            </a:r>
+          </a:p>
+          <a:p>
+            <a:pPr lvl="0" latinLnBrk="1">
+              <a:buFont typeface="Arial" panose="020B0604020202020204" pitchFamily="34" charset="0"/>
+              <a:buChar char="•"/>
+            </a:pPr>
+            <a:r>
+              <a:rPr lang="en-US" altLang="ko-KR" sz="1600" dirty="0"/>
+              <a:t>Introduction: </a:t>
+            </a:r>
+            <a:r>
+              <a:rPr lang="ko-KR" altLang="ko-KR" sz="1600" dirty="0"/>
+              <a:t>왜</a:t>
+            </a:r>
+            <a:r>
+              <a:rPr lang="en-US" altLang="ko-KR" sz="1600" dirty="0"/>
+              <a:t> </a:t>
+            </a:r>
+            <a:r>
+              <a:rPr lang="en-US" altLang="ko-KR" sz="1600" dirty="0" err="1"/>
+              <a:t>DrivAer</a:t>
+            </a:r>
+            <a:r>
+              <a:rPr lang="en-US" altLang="ko-KR" sz="1600" dirty="0"/>
+              <a:t> </a:t>
+            </a:r>
+            <a:r>
+              <a:rPr lang="ko-KR" altLang="ko-KR" sz="1600" dirty="0"/>
+              <a:t>모델 사용</a:t>
+            </a:r>
+            <a:r>
+              <a:rPr lang="en-US" altLang="ko-KR" sz="1600" dirty="0"/>
+              <a:t>/</a:t>
+            </a:r>
+            <a:r>
+              <a:rPr lang="ko-KR" altLang="ko-KR" sz="1600" dirty="0"/>
+              <a:t>기존 연구의 문제점</a:t>
+            </a:r>
+          </a:p>
+          <a:p>
+            <a:pPr lvl="0" latinLnBrk="1">
+              <a:buFont typeface="Arial" panose="020B0604020202020204" pitchFamily="34" charset="0"/>
+              <a:buChar char="•"/>
+            </a:pPr>
+            <a:r>
+              <a:rPr lang="en-US" altLang="ko-KR" sz="1600" dirty="0"/>
+              <a:t>Geometry &amp; Computational Setup: </a:t>
+            </a:r>
+            <a:r>
+              <a:rPr lang="ko-KR" altLang="en-US" sz="1600" dirty="0"/>
+              <a:t>계산 조건을 체계적으로 변화시키며 비교할 수 있도록 설정</a:t>
+            </a:r>
+            <a:endParaRPr lang="ko-KR" altLang="ko-KR" sz="1600" dirty="0"/>
+          </a:p>
+          <a:p>
+            <a:pPr lvl="0" latinLnBrk="1">
+              <a:buFont typeface="Arial" panose="020B0604020202020204" pitchFamily="34" charset="0"/>
+              <a:buChar char="•"/>
+            </a:pPr>
+            <a:r>
+              <a:rPr lang="en-US" altLang="ko-KR" sz="1600" dirty="0"/>
+              <a:t>Results: </a:t>
+            </a:r>
+            <a:r>
+              <a:rPr lang="ko-KR" altLang="en-US" sz="1600" dirty="0"/>
+              <a:t>항력</a:t>
+            </a:r>
+            <a:r>
+              <a:rPr lang="en-US" altLang="ko-KR" sz="1600" dirty="0"/>
+              <a:t>·</a:t>
+            </a:r>
+            <a:r>
+              <a:rPr lang="ko-KR" altLang="en-US" sz="1600" dirty="0"/>
+              <a:t>양력 등 공력 계수가 어떻게 수렴하거나 민감하게 </a:t>
+            </a:r>
+            <a:r>
+              <a:rPr lang="ko-KR" altLang="en-US" sz="1600" dirty="0" err="1"/>
+              <a:t>변하는지의</a:t>
+            </a:r>
+            <a:r>
+              <a:rPr lang="ko-KR" altLang="en-US" sz="1600" dirty="0"/>
+              <a:t> 추세를 제시</a:t>
+            </a:r>
+            <a:endParaRPr lang="en-US" altLang="ko-KR" sz="1600" dirty="0"/>
+          </a:p>
+          <a:p>
+            <a:pPr lvl="0" latinLnBrk="1">
+              <a:buFont typeface="Arial" panose="020B0604020202020204" pitchFamily="34" charset="0"/>
+              <a:buChar char="•"/>
+            </a:pPr>
+            <a:r>
+              <a:rPr lang="en-US" altLang="ko-KR" sz="1600" dirty="0"/>
+              <a:t>Discussion: </a:t>
+            </a:r>
+            <a:r>
+              <a:rPr lang="ko-KR" altLang="ko-KR" sz="1600" dirty="0"/>
+              <a:t>저자의 논리 따라가며 읽기</a:t>
+            </a:r>
+            <a:r>
+              <a:rPr lang="en-US" altLang="ko-KR" sz="1600" dirty="0"/>
+              <a:t> -&gt; </a:t>
+            </a:r>
+            <a:r>
+              <a:rPr lang="ko-KR" altLang="en-US" sz="1600" dirty="0"/>
+              <a:t>유동 구조 변화와 수치 모델링 선택이 왜 이런 결과 차이를 만드는지 해석</a:t>
+            </a:r>
+            <a:endParaRPr lang="ko-KR" altLang="ko-KR" sz="1600" dirty="0"/>
+          </a:p>
+          <a:p>
+            <a:pPr lvl="0" latinLnBrk="1">
+              <a:buFont typeface="Arial" panose="020B0604020202020204" pitchFamily="34" charset="0"/>
+              <a:buChar char="•"/>
+            </a:pPr>
+            <a:r>
+              <a:rPr lang="en-US" altLang="ko-KR" sz="1600" dirty="0"/>
+              <a:t>Conclusions: </a:t>
+            </a:r>
+            <a:r>
+              <a:rPr lang="ko-KR" altLang="ko-KR" sz="1600" dirty="0"/>
+              <a:t>논문 </a:t>
+            </a:r>
+            <a:r>
+              <a:rPr lang="ko-KR" altLang="ko-KR" sz="1600" dirty="0" err="1"/>
+              <a:t>한줄로</a:t>
+            </a:r>
+            <a:r>
+              <a:rPr lang="ko-KR" altLang="ko-KR" sz="1600" dirty="0"/>
+              <a:t> 요약</a:t>
+            </a:r>
+            <a:r>
+              <a:rPr lang="en-US" altLang="ko-KR" sz="1600" dirty="0"/>
+              <a:t> -&gt; </a:t>
+            </a:r>
+            <a:r>
+              <a:rPr lang="ko-KR" altLang="ko-KR" sz="1600" dirty="0"/>
+              <a:t>자동차 공력</a:t>
+            </a:r>
+            <a:r>
+              <a:rPr lang="en-US" altLang="ko-KR" sz="1600" dirty="0"/>
+              <a:t> CFD </a:t>
+            </a:r>
+            <a:r>
+              <a:rPr lang="ko-KR" altLang="ko-KR" sz="1600" dirty="0"/>
+              <a:t>해석에서 계산 조건 선택이 결과에 미치는 영향을 체계적으로 분석한 연구 </a:t>
+            </a:r>
+          </a:p>
+          <a:p>
+            <a:endParaRPr lang="ko-KR" altLang="en-US" dirty="0"/>
+          </a:p>
+        </p:txBody>
+      </p:sp>
+      <p:pic>
+        <p:nvPicPr>
+          <p:cNvPr id="7" name="그림 6" descr="텍스트, 스크린샷, 웹 페이지, 웹사이트이(가) 표시된 사진&#10;&#10;AI 생성 콘텐츠는 정확하지 않을 수 있습니다.">
+            <a:extLst>
+              <a:ext uri="{FF2B5EF4-FFF2-40B4-BE49-F238E27FC236}">
+                <a16:creationId xmlns:a16="http://schemas.microsoft.com/office/drawing/2014/main" id="{4350A94E-34B0-80EE-8BE2-A386190A3BC5}"/>
+              </a:ext>
+            </a:extLst>
+          </p:cNvPr>
+          <p:cNvPicPr>
+            <a:picLocks noChangeAspect="1"/>
+          </p:cNvPicPr>
+          <p:nvPr/>
+        </p:nvPicPr>
+        <p:blipFill>
+          <a:blip r:embed="rId2"/>
+          <a:stretch>
+            <a:fillRect/>
+          </a:stretch>
+        </p:blipFill>
+        <p:spPr>
+          <a:xfrm>
+            <a:off x="581192" y="4957118"/>
+            <a:ext cx="4270726" cy="1724604"/>
+          </a:xfrm>
+          <a:prstGeom prst="rect">
+            <a:avLst/>
+          </a:prstGeom>
+        </p:spPr>
+      </p:pic>
+    </p:spTree>
+    <p:extLst>
+      <p:ext uri="{BB962C8B-B14F-4D97-AF65-F5344CB8AC3E}">
+        <p14:creationId xmlns:p14="http://schemas.microsoft.com/office/powerpoint/2010/main" val="80446603"/>
+      </p:ext>
+    </p:extLst>
+  </p:cSld>
+  <p:clrMapOvr>
+    <a:masterClrMapping/>
+  </p:clrMapOvr>
+</p:sld>
+</file>
+
+<file path=ppt/slides/slide13.xml><?xml version="1.0" encoding="utf-8"?>
 <p:sld xmlns:a="http://schemas.openxmlformats.org/drawingml/2006/main" xmlns:r="http://schemas.openxmlformats.org/officeDocument/2006/relationships" xmlns:p="http://schemas.openxmlformats.org/presentationml/2006/main">
   <p:cSld>
     <p:spTree>
@@ -6050,6 +6359,107 @@
 </p:sld>
 </file>
 
+<file path=ppt/slides/slide14.xml><?xml version="1.0" encoding="utf-8"?>
+<p:sld xmlns:a="http://schemas.openxmlformats.org/drawingml/2006/main" xmlns:r="http://schemas.openxmlformats.org/officeDocument/2006/relationships" xmlns:p="http://schemas.openxmlformats.org/presentationml/2006/main">
+  <p:cSld>
+    <p:spTree>
+      <p:nvGrpSpPr>
+        <p:cNvPr id="1" name=""/>
+        <p:cNvGrpSpPr/>
+        <p:nvPr/>
+      </p:nvGrpSpPr>
+      <p:grpSpPr>
+        <a:xfrm>
+          <a:off x="0" y="0"/>
+          <a:ext cx="0" cy="0"/>
+          <a:chOff x="0" y="0"/>
+          <a:chExt cx="0" cy="0"/>
+        </a:xfrm>
+      </p:grpSpPr>
+      <p:sp>
+        <p:nvSpPr>
+          <p:cNvPr id="2" name="제목 1">
+            <a:extLst>
+              <a:ext uri="{FF2B5EF4-FFF2-40B4-BE49-F238E27FC236}">
+                <a16:creationId xmlns:a16="http://schemas.microsoft.com/office/drawing/2014/main" id="{B3C55514-AF77-9D98-277D-64C57963B922}"/>
+              </a:ext>
+            </a:extLst>
+          </p:cNvPr>
+          <p:cNvSpPr>
+            <a:spLocks noGrp="1"/>
+          </p:cNvSpPr>
+          <p:nvPr>
+            <p:ph type="title"/>
+          </p:nvPr>
+        </p:nvSpPr>
+        <p:spPr/>
+        <p:txBody>
+          <a:bodyPr/>
+          <a:lstStyle/>
+          <a:p>
+            <a:r>
+              <a:rPr lang="ko-KR" altLang="en-US" dirty="0"/>
+              <a:t>출처</a:t>
+            </a:r>
+          </a:p>
+        </p:txBody>
+      </p:sp>
+      <p:sp>
+        <p:nvSpPr>
+          <p:cNvPr id="3" name="내용 개체 틀 2">
+            <a:extLst>
+              <a:ext uri="{FF2B5EF4-FFF2-40B4-BE49-F238E27FC236}">
+                <a16:creationId xmlns:a16="http://schemas.microsoft.com/office/drawing/2014/main" id="{FF4DBEF4-9028-8C75-7CBE-C43D00ED149C}"/>
+              </a:ext>
+            </a:extLst>
+          </p:cNvPr>
+          <p:cNvSpPr>
+            <a:spLocks noGrp="1"/>
+          </p:cNvSpPr>
+          <p:nvPr>
+            <p:ph idx="1"/>
+          </p:nvPr>
+        </p:nvSpPr>
+        <p:spPr/>
+        <p:txBody>
+          <a:bodyPr/>
+          <a:lstStyle/>
+          <a:p>
+            <a:r>
+              <a:rPr lang="fr-FR" altLang="ko-KR" dirty="0"/>
+              <a:t>Clarivate, </a:t>
+            </a:r>
+            <a:r>
+              <a:rPr lang="fr-FR" altLang="ko-KR" i="1" dirty="0"/>
+              <a:t>Journal Citation Reports</a:t>
+            </a:r>
+            <a:r>
+              <a:rPr lang="fr-FR" altLang="ko-KR" dirty="0"/>
+              <a:t> (2024)</a:t>
+            </a:r>
+          </a:p>
+          <a:p>
+            <a:r>
+              <a:rPr lang="en-US" altLang="ko-KR" dirty="0"/>
+              <a:t>ScienceDirect, Journal of Wind Engineering and Industrial Aerodynamics, Journal Metrics (2024).</a:t>
+            </a:r>
+            <a:endParaRPr lang="ko-KR" altLang="en-US" dirty="0"/>
+          </a:p>
+        </p:txBody>
+      </p:sp>
+    </p:spTree>
+    <p:extLst>
+      <p:ext uri="{BB962C8B-B14F-4D97-AF65-F5344CB8AC3E}">
+        <p14:creationId xmlns:p14="http://schemas.microsoft.com/office/powerpoint/2010/main" val="949751931"/>
+      </p:ext>
+    </p:extLst>
+  </p:cSld>
+  <p:clrMapOvr>
+    <a:masterClrMapping/>
+  </p:clrMapOvr>
+</p:sld>
+</file>
+
 <file path=ppt/slides/slide2.xml><?xml version="1.0" encoding="utf-8"?>
 <p:sld xmlns:a="http://schemas.openxmlformats.org/drawingml/2006/main" xmlns:r="http://schemas.openxmlformats.org/officeDocument/2006/relationships" xmlns:p="http://schemas.openxmlformats.org/presentationml/2006/main">
   <p:cSld>
@@ -6113,22 +6523,59 @@
         </p:nvSpPr>
         <p:spPr>
           <a:xfrm>
-            <a:off x="581192" y="2180497"/>
+            <a:off x="581193" y="2410652"/>
             <a:ext cx="11029615" cy="1781904"/>
           </a:xfrm>
         </p:spPr>
         <p:txBody>
-          <a:bodyPr/>
+          <a:bodyPr>
+            <a:normAutofit lnSpcReduction="10000"/>
+          </a:bodyPr>
           <a:lstStyle/>
           <a:p>
             <a:r>
               <a:rPr lang="en-US" altLang="ko-KR" sz="2400" b="1" dirty="0"/>
               <a:t>Journal of Wind Engineering and Industrial Aerodynamics</a:t>
             </a:r>
-            <a:endParaRPr lang="ko-KR" altLang="ko-KR" sz="2400" dirty="0"/>
-          </a:p>
-          <a:p>
-            <a:endParaRPr lang="ko-KR" altLang="en-US" dirty="0"/>
+          </a:p>
+          <a:p>
+            <a:pPr marL="0" indent="0">
+              <a:buNone/>
+            </a:pPr>
+            <a:endParaRPr lang="en-US" altLang="ko-KR" sz="2400" dirty="0"/>
+          </a:p>
+          <a:p>
+            <a:pPr>
+              <a:buFont typeface="Arial" panose="020B0604020202020204" pitchFamily="34" charset="0"/>
+              <a:buChar char="•"/>
+            </a:pPr>
+            <a:r>
+              <a:rPr lang="en-US" altLang="ko-KR" dirty="0"/>
+              <a:t>CFD </a:t>
+            </a:r>
+            <a:r>
+              <a:rPr lang="ko-KR" altLang="en-US" dirty="0"/>
+              <a:t>기반 해석 </a:t>
+            </a:r>
+            <a:r>
+              <a:rPr lang="en-US" altLang="ko-KR" dirty="0"/>
+              <a:t>+ </a:t>
+            </a:r>
+            <a:r>
+              <a:rPr lang="ko-KR" altLang="en-US" dirty="0"/>
+              <a:t>물리적 해석 중심 설명</a:t>
+            </a:r>
+            <a:endParaRPr lang="en-US" altLang="ko-KR" dirty="0"/>
+          </a:p>
+          <a:p>
+            <a:pPr>
+              <a:buFont typeface="Arial" panose="020B0604020202020204" pitchFamily="34" charset="0"/>
+              <a:buChar char="•"/>
+            </a:pPr>
+            <a:r>
+              <a:rPr lang="ko-KR" altLang="en-US" dirty="0"/>
+              <a:t>유체 방정식이 차량 설계에 어떠한 영향을 미치는지 알 수 있음</a:t>
+            </a:r>
           </a:p>
         </p:txBody>
       </p:sp>
@@ -6154,7 +6601,7 @@
         </p:blipFill>
         <p:spPr>
           <a:xfrm>
-            <a:off x="757221" y="3429000"/>
+            <a:off x="9739491" y="3429000"/>
             <a:ext cx="1690924" cy="2233925"/>
           </a:xfrm>
           <a:prstGeom prst="rect">
@@ -6255,7 +6702,7 @@
             </a:r>
             <a:r>
               <a:rPr lang="en-US" altLang="ko-KR" dirty="0"/>
-              <a:t>(Journal of Industrial Aerodynamics)\</a:t>
+              <a:t>(Journal of Industrial Aerodynamics)</a:t>
             </a:r>
           </a:p>
           <a:p>
@@ -6350,31 +6797,71 @@
         </p:nvSpPr>
         <p:spPr>
           <a:xfrm>
-            <a:off x="581192" y="2180496"/>
-            <a:ext cx="11029615" cy="1013801"/>
+            <a:off x="581192" y="2255141"/>
+            <a:ext cx="11029615" cy="1315373"/>
           </a:xfrm>
         </p:spPr>
         <p:txBody>
-          <a:bodyPr/>
+          <a:bodyPr>
+            <a:normAutofit fontScale="92500" lnSpcReduction="10000"/>
+          </a:bodyPr>
           <a:lstStyle/>
           <a:p>
             <a:r>
-              <a:rPr lang="ko-KR" altLang="ko-KR" dirty="0"/>
+              <a:rPr lang="ko-KR" altLang="ko-KR" sz="1900" dirty="0"/>
               <a:t>최근</a:t>
             </a:r>
             <a:r>
-              <a:rPr lang="en-US" altLang="ko-KR" dirty="0"/>
+              <a:rPr lang="en-US" altLang="ko-KR" sz="1900" dirty="0"/>
               <a:t> 5</a:t>
             </a:r>
             <a:r>
-              <a:rPr lang="ko-KR" altLang="ko-KR" dirty="0"/>
+              <a:rPr lang="ko-KR" altLang="ko-KR" sz="1900" dirty="0"/>
               <a:t>년간</a:t>
             </a:r>
             <a:r>
-              <a:rPr lang="en-US" altLang="ko-KR" dirty="0"/>
-              <a:t> Impact Factor: 4.1(2020)/4.4(2021)/4.8(2022)/4.2(2023)/4.9(2024)</a:t>
-            </a:r>
-            <a:endParaRPr lang="ko-KR" altLang="en-US" dirty="0"/>
+              <a:rPr lang="en-US" altLang="ko-KR" sz="1900" dirty="0"/>
+              <a:t> Impact Factor: 4.1(2020)/4.4(2021)/4.8(2022)/4.2(2023)/4.9(2024) </a:t>
+            </a:r>
+          </a:p>
+          <a:p>
+            <a:pPr>
+              <a:buFont typeface="Wingdings" panose="05000000000000000000" pitchFamily="2" charset="2"/>
+              <a:buChar char="è"/>
+            </a:pPr>
+            <a:r>
+              <a:rPr lang="ko-KR" altLang="en-US" sz="1700" b="1" dirty="0"/>
+              <a:t>상당히 영향력 있는 중위권 이상 저널</a:t>
+            </a:r>
+            <a:endParaRPr lang="en-US" altLang="ko-KR" sz="1700" b="1" dirty="0"/>
+          </a:p>
+          <a:p>
+            <a:pPr>
+              <a:buFont typeface="Wingdings" panose="05000000000000000000" pitchFamily="2" charset="2"/>
+              <a:buChar char="è"/>
+            </a:pPr>
+            <a:endParaRPr lang="en-US" altLang="ko-KR" sz="1600" b="1" dirty="0"/>
+          </a:p>
+          <a:p>
+            <a:pPr marL="0" indent="0">
+              <a:buNone/>
+            </a:pPr>
+            <a:r>
+              <a:rPr lang="en-US" altLang="ko-KR" sz="1200" dirty="0"/>
+              <a:t>* Impact factor: </a:t>
+            </a:r>
+            <a:r>
+              <a:rPr lang="ko-KR" altLang="en-US" sz="1200" dirty="0"/>
+              <a:t>이 저널에 실린 논문들이 평균적으로 얼마나 많이 인용되는가를</a:t>
+            </a:r>
+            <a:r>
+              <a:rPr lang="en-US" altLang="ko-KR" sz="1200" dirty="0"/>
+              <a:t> </a:t>
+            </a:r>
+            <a:r>
+              <a:rPr lang="ko-KR" altLang="en-US" sz="1200" dirty="0"/>
+              <a:t>수치적으로 나타냄</a:t>
+            </a:r>
           </a:p>
         </p:txBody>
       </p:sp>
@@ -6401,7 +6888,7 @@
         </p:blipFill>
         <p:spPr bwMode="auto">
           <a:xfrm>
-            <a:off x="901012" y="2970049"/>
+            <a:off x="733061" y="3570514"/>
             <a:ext cx="4542790" cy="3185795"/>
           </a:xfrm>
           <a:prstGeom prst="rect">
@@ -6493,17 +6980,19 @@
         </p:nvSpPr>
         <p:spPr>
           <a:xfrm>
-            <a:off x="581192" y="2180496"/>
-            <a:ext cx="11029615" cy="2130247"/>
+            <a:off x="581192" y="2457330"/>
+            <a:ext cx="11029615" cy="1445710"/>
           </a:xfrm>
         </p:spPr>
         <p:txBody>
-          <a:bodyPr/>
+          <a:bodyPr>
+            <a:normAutofit lnSpcReduction="10000"/>
+          </a:bodyPr>
           <a:lstStyle/>
           <a:p>
             <a:r>
               <a:rPr lang="en-US" altLang="ko-KR" dirty="0"/>
-              <a:t>Quantile: </a:t>
+              <a:t>Quartile: </a:t>
             </a:r>
             <a:r>
               <a:rPr lang="ko-KR" altLang="ko-KR" dirty="0"/>
@@ -6525,6 +7014,50 @@
               <a:rPr lang="ko-KR" altLang="ko-KR" dirty="0"/>
               <a:t>유지</a:t>
             </a:r>
+            <a:endParaRPr lang="en-US" altLang="ko-KR" dirty="0"/>
+          </a:p>
+          <a:p>
+            <a:pPr>
+              <a:buFont typeface="Wingdings" panose="05000000000000000000" pitchFamily="2" charset="2"/>
+              <a:buChar char="è"/>
+            </a:pPr>
+            <a:r>
+              <a:rPr lang="en-US" altLang="ko-KR" sz="1600" b="1" dirty="0"/>
+              <a:t>Q1</a:t>
+            </a:r>
+            <a:r>
+              <a:rPr lang="ko-KR" altLang="en-US" sz="1600" b="1" dirty="0"/>
+              <a:t>은 상위 </a:t>
+            </a:r>
+            <a:r>
+              <a:rPr lang="en-US" altLang="ko-KR" sz="1600" b="1" dirty="0"/>
+              <a:t>25%</a:t>
+            </a:r>
+            <a:r>
+              <a:rPr lang="ko-KR" altLang="en-US" sz="1600" b="1" dirty="0"/>
+              <a:t>로 해당 분야에서 최상위 저널</a:t>
+            </a:r>
+            <a:endParaRPr lang="en-US" altLang="ko-KR" sz="1600" b="1" dirty="0"/>
+          </a:p>
+          <a:p>
+            <a:pPr marL="0" indent="0">
+              <a:buNone/>
+            </a:pPr>
+            <a:endParaRPr lang="en-US" altLang="ko-KR" sz="1600" b="1" dirty="0"/>
+          </a:p>
+          <a:p>
+            <a:pPr marL="0" indent="0">
+              <a:buNone/>
+            </a:pPr>
+            <a:r>
+              <a:rPr lang="en-US" altLang="ko-KR" sz="1200" dirty="0"/>
+              <a:t>* Quartile: </a:t>
+            </a:r>
+            <a:r>
+              <a:rPr lang="ko-KR" altLang="en-US" sz="1200" dirty="0"/>
+              <a:t>같은 분야 저널들 중에서 이 저널이 어느 위치에 있는가</a:t>
+            </a:r>
+            <a:endParaRPr lang="ko-KR" altLang="ko-KR" sz="1200" dirty="0"/>
           </a:p>
           <a:p>
             <a:endParaRPr lang="ko-KR" altLang="en-US" dirty="0"/>
@@ -6553,7 +7086,7 @@
         </p:blipFill>
         <p:spPr>
           <a:xfrm>
-            <a:off x="865426" y="3626206"/>
+            <a:off x="778340" y="4250093"/>
             <a:ext cx="4738370" cy="1857375"/>
           </a:xfrm>
           <a:prstGeom prst="rect">
@@ -6642,8 +7175,42 @@
           <a:p>
             <a:r>
               <a:rPr lang="en-US" altLang="ko-KR" dirty="0"/>
-              <a:t>H-Index: 144</a:t>
-            </a:r>
+              <a:t>H-Index: 144 -&gt; 144</a:t>
+            </a:r>
+            <a:r>
+              <a:rPr lang="ko-KR" altLang="en-US" dirty="0"/>
+              <a:t>편의 논문이 각각 최소 </a:t>
+            </a:r>
+            <a:r>
+              <a:rPr lang="en-US" altLang="ko-KR" dirty="0"/>
+              <a:t>144</a:t>
+            </a:r>
+            <a:r>
+              <a:rPr lang="ko-KR" altLang="en-US" dirty="0"/>
+              <a:t>번 이상 인용된 상태</a:t>
+            </a:r>
+            <a:endParaRPr lang="en-US" altLang="ko-KR" dirty="0"/>
+          </a:p>
+          <a:p>
+            <a:pPr>
+              <a:buFont typeface="Arial" panose="020B0604020202020204" pitchFamily="34" charset="0"/>
+              <a:buChar char="•"/>
+            </a:pPr>
+            <a:r>
+              <a:rPr lang="en-US" altLang="ko-KR" sz="1200" dirty="0"/>
+              <a:t>H-Index: </a:t>
+            </a:r>
+            <a:r>
+              <a:rPr lang="ko-KR" altLang="en-US" sz="1200" dirty="0"/>
+              <a:t>논문 수와 인용 수 동시에 반영하는 지표</a:t>
+            </a:r>
+            <a:endParaRPr lang="en-US" altLang="ko-KR" sz="1200" dirty="0"/>
+          </a:p>
+          <a:p>
+            <a:pPr marL="0" indent="0">
+              <a:buNone/>
+            </a:pPr>
+            <a:endParaRPr lang="en-US" altLang="ko-KR" sz="1200" dirty="0"/>
           </a:p>
           <a:p>
             <a:r>
@@ -6654,6 +7221,28 @@
               <a:rPr lang="en-US" altLang="ko-KR" dirty="0"/>
               <a:t>: wind engineering, wind effects, aeroelasticity, aerodynamic, Computational wind engineering</a:t>
             </a:r>
+          </a:p>
+          <a:p>
+            <a:pPr marL="0" indent="0">
+              <a:buNone/>
+            </a:pPr>
+            <a:r>
+              <a:rPr lang="en-US" altLang="ko-KR" sz="1600" dirty="0"/>
+              <a:t>-&gt; Most</a:t>
+            </a:r>
+            <a:r>
+              <a:rPr lang="ko-KR" altLang="en-US" sz="1600" dirty="0"/>
+              <a:t> </a:t>
+            </a:r>
+            <a:r>
+              <a:rPr lang="en-US" altLang="ko-KR" sz="1600" dirty="0"/>
+              <a:t>popular</a:t>
+            </a:r>
+            <a:r>
+              <a:rPr lang="ko-KR" altLang="en-US" sz="1600" dirty="0"/>
+              <a:t> 논문에서 공통적으로 나타나는 키워드로 선정</a:t>
+            </a:r>
+            <a:endParaRPr lang="en-US" altLang="ko-KR" sz="1600" dirty="0"/>
           </a:p>
           <a:p>
             <a:endParaRPr lang="ko-KR" altLang="en-US" dirty="0"/>
@@ -6736,65 +7325,150 @@
         </p:nvSpPr>
         <p:spPr>
           <a:xfrm>
-            <a:off x="581192" y="2180496"/>
-            <a:ext cx="11029615" cy="4189202"/>
+            <a:off x="581192" y="2450841"/>
+            <a:ext cx="11029615" cy="2450841"/>
           </a:xfrm>
         </p:spPr>
         <p:txBody>
-          <a:bodyPr/>
+          <a:bodyPr>
+            <a:normAutofit fontScale="92500" lnSpcReduction="10000"/>
+          </a:bodyPr>
           <a:lstStyle/>
           <a:p>
             <a:r>
+              <a:rPr lang="ko-KR" altLang="en-US" sz="1900" dirty="0"/>
+              <a:t>최근호 논문 리스</a:t>
+            </a:r>
+            <a:r>
               <a:rPr lang="ko-KR" altLang="en-US" dirty="0"/>
-              <a:t>최근호 논문 리스트</a:t>
+              <a:t>트</a:t>
             </a:r>
             <a:endParaRPr lang="en-US" altLang="ko-KR" dirty="0"/>
           </a:p>
           <a:p>
-            <a:pPr lvl="0" latinLnBrk="1"/>
-            <a:r>
-              <a:rPr lang="en-US" altLang="ko-KR" dirty="0"/>
+            <a:pPr>
+              <a:buFont typeface="Wingdings" panose="05000000000000000000" pitchFamily="2" charset="2"/>
+              <a:buChar char="è"/>
+            </a:pPr>
+            <a:r>
+              <a:rPr lang="ko-KR" altLang="en-US" sz="1700" b="1" dirty="0"/>
+              <a:t>비정상</a:t>
+            </a:r>
+            <a:r>
+              <a:rPr lang="en-US" altLang="ko-KR" sz="1700" b="1" dirty="0"/>
+              <a:t>·</a:t>
+            </a:r>
+            <a:r>
+              <a:rPr lang="ko-KR" altLang="en-US" sz="1700" b="1" dirty="0"/>
+              <a:t>확률적 유체 흐름의 물리적 특성을 먼저 규명하고</a:t>
+            </a:r>
+            <a:r>
+              <a:rPr lang="en-US" altLang="ko-KR" sz="1700" b="1" dirty="0"/>
+              <a:t>, </a:t>
+            </a:r>
+            <a:r>
+              <a:rPr lang="ko-KR" altLang="en-US" sz="1700" b="1" dirty="0"/>
+              <a:t>그 결과를 구조물의 성능기반 설계에 직접 연결하는 방향의 연구가 주를 이룸</a:t>
+            </a:r>
+            <a:endParaRPr lang="en-US" altLang="ko-KR" sz="1700" b="1" dirty="0"/>
+          </a:p>
+          <a:p>
+            <a:pPr lvl="0" latinLnBrk="1">
+              <a:buFont typeface="Arial" panose="020B0604020202020204" pitchFamily="34" charset="0"/>
+              <a:buChar char="•"/>
+            </a:pPr>
+            <a:r>
+              <a:rPr lang="en-US" altLang="ko-KR" sz="1400" dirty="0"/>
               <a:t>Wind load time history regenerated considering coherences for performance-based wind design of tall buildings</a:t>
             </a:r>
+            <a:endParaRPr lang="ko-KR" altLang="ko-KR" sz="1400" dirty="0"/>
+          </a:p>
+          <a:p>
+            <a:pPr lvl="0" latinLnBrk="1">
+              <a:buFont typeface="Arial" panose="020B0604020202020204" pitchFamily="34" charset="0"/>
+              <a:buChar char="•"/>
+            </a:pPr>
+            <a:r>
+              <a:rPr lang="en-US" altLang="ko-KR" sz="1400" dirty="0"/>
+              <a:t>Flutter uncertainty analysis of flexible photovoltaic support structure considering stochastic aerodynamic and structural parameters</a:t>
+            </a:r>
+            <a:endParaRPr lang="ko-KR" altLang="ko-KR" sz="1400" dirty="0"/>
+          </a:p>
+          <a:p>
+            <a:pPr lvl="0" latinLnBrk="1">
+              <a:buFont typeface="Arial" panose="020B0604020202020204" pitchFamily="34" charset="0"/>
+              <a:buChar char="•"/>
+            </a:pPr>
+            <a:r>
+              <a:rPr lang="en-US" altLang="ko-KR" sz="1400" dirty="0"/>
+              <a:t>An analytical model for boundary layer wind velocity profiles of landfalling typhoons based on field measurements</a:t>
+            </a:r>
+            <a:endParaRPr lang="ko-KR" altLang="ko-KR" sz="1400" dirty="0"/>
+          </a:p>
+          <a:p>
+            <a:pPr lvl="0" latinLnBrk="1">
+              <a:buFont typeface="Arial" panose="020B0604020202020204" pitchFamily="34" charset="0"/>
+              <a:buChar char="•"/>
+            </a:pPr>
+            <a:r>
+              <a:rPr lang="en-US" altLang="ko-KR" sz="1400" dirty="0"/>
+              <a:t>Evaluating gust-induced vibrations in high-rise buildings: Insights from in-situ measurements and prediction models</a:t>
+            </a:r>
+            <a:endParaRPr lang="ko-KR" altLang="ko-KR" sz="1400" dirty="0"/>
+          </a:p>
+          <a:p>
+            <a:pPr lvl="0" latinLnBrk="1">
+              <a:buFont typeface="Arial" panose="020B0604020202020204" pitchFamily="34" charset="0"/>
+              <a:buChar char="•"/>
+            </a:pPr>
+            <a:r>
+              <a:rPr lang="en-US" altLang="ko-KR" sz="1400" dirty="0"/>
+              <a:t>Wind tunnel investigation of aerodynamic interactions between twin high-rise buildings connected by a skybridge at varying installation heights</a:t>
+            </a:r>
+          </a:p>
+          <a:p>
+            <a:pPr lvl="0" latinLnBrk="1">
+              <a:buFont typeface="Arial" panose="020B0604020202020204" pitchFamily="34" charset="0"/>
+              <a:buChar char="•"/>
+            </a:pPr>
             <a:endParaRPr lang="ko-KR" altLang="ko-KR" dirty="0"/>
           </a:p>
           <a:p>
-            <a:pPr lvl="0" latinLnBrk="1"/>
-            <a:r>
-              <a:rPr lang="en-US" altLang="ko-KR" dirty="0"/>
-              <a:t>Flutter uncertainty analysis of flexible photovoltaic support structure considering stochastic aerodynamic and structural parameters</a:t>
-            </a:r>
-            <a:endParaRPr lang="ko-KR" altLang="ko-KR" dirty="0"/>
-          </a:p>
-          <a:p>
-            <a:pPr lvl="0" latinLnBrk="1"/>
-            <a:r>
-              <a:rPr lang="en-US" altLang="ko-KR" dirty="0"/>
-              <a:t>An analytical model for boundary layer wind velocity profiles of landfalling typhoons based on field measurements</a:t>
-            </a:r>
-            <a:endParaRPr lang="ko-KR" altLang="ko-KR" dirty="0"/>
-          </a:p>
-          <a:p>
-            <a:pPr lvl="0" latinLnBrk="1"/>
-            <a:r>
-              <a:rPr lang="en-US" altLang="ko-KR" dirty="0"/>
-              <a:t>Evaluating gust-induced vibrations in high-rise buildings: Insights from in-situ measurements and prediction models</a:t>
-            </a:r>
-            <a:endParaRPr lang="ko-KR" altLang="ko-KR" dirty="0"/>
-          </a:p>
-          <a:p>
-            <a:pPr lvl="0" latinLnBrk="1"/>
-            <a:r>
-              <a:rPr lang="en-US" altLang="ko-KR" dirty="0"/>
-              <a:t>Wind tunnel investigation of aerodynamic interactions between twin high-rise buildings connected by a skybridge at varying installation heights</a:t>
-            </a:r>
-            <a:endParaRPr lang="ko-KR" altLang="ko-KR" dirty="0"/>
-          </a:p>
-          <a:p>
             <a:endParaRPr lang="ko-KR" altLang="en-US" dirty="0"/>
           </a:p>
         </p:txBody>
       </p:sp>
+      <p:pic>
+        <p:nvPicPr>
+          <p:cNvPr id="5" name="그림 4" descr="텍스트, 폰트, 스크린샷이(가) 표시된 사진&#10;&#10;AI 생성 콘텐츠는 정확하지 않을 수 있습니다.">
+            <a:extLst>
+              <a:ext uri="{FF2B5EF4-FFF2-40B4-BE49-F238E27FC236}">
+                <a16:creationId xmlns:a16="http://schemas.microsoft.com/office/drawing/2014/main" id="{E81EC540-0FB7-EAA2-EF99-0774CA60E8E3}"/>
+              </a:ext>
+            </a:extLst>
+          </p:cNvPr>
+          <p:cNvPicPr>
+            <a:picLocks noChangeAspect="1"/>
+          </p:cNvPicPr>
+          <p:nvPr/>
+        </p:nvPicPr>
+        <p:blipFill>
+          <a:blip r:embed="rId2"/>
+          <a:srcRect b="11331"/>
+          <a:stretch>
+            <a:fillRect/>
+          </a:stretch>
+        </p:blipFill>
+        <p:spPr>
+          <a:xfrm>
+            <a:off x="581192" y="4569645"/>
+            <a:ext cx="10473328" cy="2204380"/>
+          </a:xfrm>
+          <a:prstGeom prst="rect">
+            <a:avLst/>
+          </a:prstGeom>
+        </p:spPr>
+      </p:pic>
     </p:spTree>
     <p:extLst>
       <p:ext uri="{BB962C8B-B14F-4D97-AF65-F5344CB8AC3E}">
@@ -6869,7 +7543,12 @@
             <p:ph idx="1"/>
           </p:nvPr>
         </p:nvSpPr>
-        <p:spPr/>
+        <p:spPr>
+          <a:xfrm>
+            <a:off x="487886" y="1998545"/>
+            <a:ext cx="11029615" cy="2391504"/>
+          </a:xfrm>
+        </p:spPr>
         <p:txBody>
           <a:bodyPr/>
           <a:lstStyle/>
@@ -6886,10 +7565,165 @@
               <a:rPr lang="ko-KR" altLang="ko-KR" dirty="0"/>
               <a:t>유럽과 중국을 중심으로 다양한 국가의 연구기관이 활발히 참여</a:t>
             </a:r>
+            <a:endParaRPr lang="en-US" altLang="ko-KR" dirty="0"/>
+          </a:p>
+          <a:p>
+            <a:pPr marL="0" indent="0">
+              <a:buNone/>
+            </a:pPr>
+            <a:endParaRPr lang="en-US" altLang="ko-KR" dirty="0"/>
+          </a:p>
+          <a:p>
+            <a:pPr>
+              <a:buFont typeface="Arial" panose="020B0604020202020204" pitchFamily="34" charset="0"/>
+              <a:buChar char="•"/>
+            </a:pPr>
+            <a:r>
+              <a:rPr lang="ko-KR" altLang="en-US" sz="1600" dirty="0"/>
+              <a:t>다양한 저자로 인해 특정 저자를 주요 저자로 선정할 수 없었음</a:t>
+            </a:r>
+            <a:endParaRPr lang="en-US" altLang="ko-KR" sz="1600" dirty="0"/>
+          </a:p>
+          <a:p>
+            <a:pPr>
+              <a:buFont typeface="Arial" panose="020B0604020202020204" pitchFamily="34" charset="0"/>
+              <a:buChar char="•"/>
+            </a:pPr>
+            <a:r>
+              <a:rPr lang="ko-KR" altLang="en-US" sz="1600" dirty="0"/>
+              <a:t>하지만 저자들의 나라를 중심으로 파악해본 결과 유럽과 중국의 저자들의 논문이 활발히 게재 되어있는 것을 확인할 수 있었음</a:t>
+            </a:r>
+            <a:endParaRPr lang="en-US" altLang="ko-KR" sz="1600" dirty="0"/>
+          </a:p>
+          <a:p>
+            <a:pPr>
+              <a:buFont typeface="Wingdings" panose="05000000000000000000" pitchFamily="2" charset="2"/>
+              <a:buChar char="è"/>
+            </a:pPr>
             <a:endParaRPr lang="ko-KR" altLang="en-US" dirty="0"/>
           </a:p>
         </p:txBody>
       </p:sp>
+      <p:pic>
+        <p:nvPicPr>
+          <p:cNvPr id="7" name="그림 6" descr="텍스트, 스크린샷, 폰트이(가) 표시된 사진">
+            <a:extLst>
+              <a:ext uri="{FF2B5EF4-FFF2-40B4-BE49-F238E27FC236}">
+                <a16:creationId xmlns:a16="http://schemas.microsoft.com/office/drawing/2014/main" id="{25128AA0-B08D-058B-770A-FDAF631FAF4D}"/>
+              </a:ext>
+            </a:extLst>
+          </p:cNvPr>
+          <p:cNvPicPr>
+            <a:picLocks noChangeAspect="1"/>
+          </p:cNvPicPr>
+          <p:nvPr/>
+        </p:nvPicPr>
+        <p:blipFill>
+          <a:blip r:embed="rId2"/>
+          <a:stretch>
+            <a:fillRect/>
+          </a:stretch>
+        </p:blipFill>
+        <p:spPr>
+          <a:xfrm>
+            <a:off x="674499" y="4227342"/>
+            <a:ext cx="2710241" cy="2138661"/>
+          </a:xfrm>
+          <a:prstGeom prst="rect">
+            <a:avLst/>
+          </a:prstGeom>
+        </p:spPr>
+      </p:pic>
+      <p:pic>
+        <p:nvPicPr>
+          <p:cNvPr id="9" name="그림 8" descr="텍스트, 스크린샷, 폰트, 번호이(가) 표시된 사진&#10;&#10;AI 생성 콘텐츠는 정확하지 않을 수 있습니다.">
+            <a:extLst>
+              <a:ext uri="{FF2B5EF4-FFF2-40B4-BE49-F238E27FC236}">
+                <a16:creationId xmlns:a16="http://schemas.microsoft.com/office/drawing/2014/main" id="{0C6CB4C4-EF08-3017-86A3-9A1540BC7C18}"/>
+              </a:ext>
+            </a:extLst>
+          </p:cNvPr>
+          <p:cNvPicPr>
+            <a:picLocks noChangeAspect="1"/>
+          </p:cNvPicPr>
+          <p:nvPr/>
+        </p:nvPicPr>
+        <p:blipFill>
+          <a:blip r:embed="rId3"/>
+          <a:stretch>
+            <a:fillRect/>
+          </a:stretch>
+        </p:blipFill>
+        <p:spPr>
+          <a:xfrm>
+            <a:off x="3767313" y="4020909"/>
+            <a:ext cx="1762755" cy="2345094"/>
+          </a:xfrm>
+          <a:prstGeom prst="rect">
+            <a:avLst/>
+          </a:prstGeom>
+        </p:spPr>
+      </p:pic>
+      <p:pic>
+        <p:nvPicPr>
+          <p:cNvPr id="11" name="그림 10">
+            <a:extLst>
+              <a:ext uri="{FF2B5EF4-FFF2-40B4-BE49-F238E27FC236}">
+                <a16:creationId xmlns:a16="http://schemas.microsoft.com/office/drawing/2014/main" id="{8A21B01C-FC0A-D047-CE8F-2E39EF95F361}"/>
+              </a:ext>
+            </a:extLst>
+          </p:cNvPr>
+          <p:cNvPicPr>
+            <a:picLocks noChangeAspect="1"/>
+          </p:cNvPicPr>
+          <p:nvPr/>
+        </p:nvPicPr>
+        <p:blipFill>
+          <a:blip r:embed="rId4"/>
+          <a:stretch>
+            <a:fillRect/>
+          </a:stretch>
+        </p:blipFill>
+        <p:spPr>
+          <a:xfrm>
+            <a:off x="6196884" y="4020909"/>
+            <a:ext cx="2132243" cy="2403291"/>
+          </a:xfrm>
+          <a:prstGeom prst="rect">
+            <a:avLst/>
+          </a:prstGeom>
+        </p:spPr>
+      </p:pic>
+      <p:pic>
+        <p:nvPicPr>
+          <p:cNvPr id="13" name="그림 12" descr="텍스트, 스크린샷, 폰트이(가) 표시된 사진&#10;&#10;AI 생성 콘텐츠는 정확하지 않을 수 있습니다.">
+            <a:extLst>
+              <a:ext uri="{FF2B5EF4-FFF2-40B4-BE49-F238E27FC236}">
+                <a16:creationId xmlns:a16="http://schemas.microsoft.com/office/drawing/2014/main" id="{FE177792-B3DB-50FE-4937-AD39BA7A8D8E}"/>
+              </a:ext>
+            </a:extLst>
+          </p:cNvPr>
+          <p:cNvPicPr>
+            <a:picLocks noChangeAspect="1"/>
+          </p:cNvPicPr>
+          <p:nvPr/>
+        </p:nvPicPr>
+        <p:blipFill>
+          <a:blip r:embed="rId5"/>
+          <a:stretch>
+            <a:fillRect/>
+          </a:stretch>
+        </p:blipFill>
+        <p:spPr>
+          <a:xfrm>
+            <a:off x="8809495" y="4020909"/>
+            <a:ext cx="2449941" cy="2284223"/>
+          </a:xfrm>
+          <a:prstGeom prst="rect">
+            <a:avLst/>
+          </a:prstGeom>
+        </p:spPr>
+      </p:pic>
     </p:spTree>
     <p:extLst>
       <p:ext uri="{BB962C8B-B14F-4D97-AF65-F5344CB8AC3E}">
@@ -6966,264 +7800,378 @@
         </p:nvSpPr>
         <p:spPr>
           <a:xfrm>
-            <a:off x="581192" y="1891004"/>
-            <a:ext cx="11029615" cy="4634204"/>
+            <a:off x="581192" y="1891003"/>
+            <a:ext cx="11029615" cy="4858139"/>
           </a:xfrm>
         </p:spPr>
         <p:txBody>
           <a:bodyPr>
-            <a:normAutofit fontScale="62500" lnSpcReduction="20000"/>
+            <a:normAutofit fontScale="70000" lnSpcReduction="20000"/>
           </a:bodyPr>
           <a:lstStyle/>
           <a:p>
             <a:pPr latinLnBrk="1"/>
             <a:r>
-              <a:rPr lang="ko-KR" altLang="ko-KR" dirty="0"/>
+              <a:rPr lang="ko-KR" altLang="ko-KR" sz="2600" dirty="0"/>
               <a:t>제출 양식</a:t>
             </a:r>
           </a:p>
           <a:p>
-            <a:pPr lvl="0" latinLnBrk="1"/>
-            <a:r>
-              <a:rPr lang="en-US" altLang="ko-KR" dirty="0"/>
+            <a:pPr lvl="0" latinLnBrk="1">
+              <a:buFont typeface="Arial" panose="020B0604020202020204" pitchFamily="34" charset="0"/>
+              <a:buChar char="•"/>
+            </a:pPr>
+            <a:r>
+              <a:rPr lang="en-US" altLang="ko-KR" sz="1900" dirty="0"/>
               <a:t>File format: PDF</a:t>
             </a:r>
             <a:r>
-              <a:rPr lang="ko-KR" altLang="ko-KR" dirty="0"/>
+              <a:rPr lang="ko-KR" altLang="ko-KR" sz="1900" dirty="0"/>
               <a:t>가 아닌</a:t>
             </a:r>
             <a:r>
-              <a:rPr lang="en-US" altLang="ko-KR" dirty="0"/>
+              <a:rPr lang="en-US" altLang="ko-KR" sz="1900" dirty="0"/>
               <a:t> Word(.doc/.docx) </a:t>
             </a:r>
             <a:r>
-              <a:rPr lang="ko-KR" altLang="ko-KR" dirty="0"/>
+              <a:rPr lang="ko-KR" altLang="ko-KR" sz="1900" dirty="0"/>
               <a:t>또는</a:t>
             </a:r>
             <a:r>
-              <a:rPr lang="en-US" altLang="ko-KR" dirty="0"/>
+              <a:rPr lang="en-US" altLang="ko-KR" sz="1900" dirty="0"/>
               <a:t> LaTeX(.</a:t>
             </a:r>
             <a:r>
-              <a:rPr lang="en-US" altLang="ko-KR" dirty="0" err="1"/>
+              <a:rPr lang="en-US" altLang="ko-KR" sz="1900" dirty="0" err="1"/>
               <a:t>tex</a:t>
             </a:r>
             <a:r>
-              <a:rPr lang="en-US" altLang="ko-KR" dirty="0"/>
+              <a:rPr lang="en-US" altLang="ko-KR" sz="1900" dirty="0"/>
               <a:t>) </a:t>
             </a:r>
             <a:r>
-              <a:rPr lang="ko-KR" altLang="ko-KR" dirty="0"/>
+              <a:rPr lang="ko-KR" altLang="ko-KR" sz="1900" dirty="0"/>
               <a:t>형식의 편집 가능한 원본 파일을 제출</a:t>
             </a:r>
           </a:p>
           <a:p>
-            <a:pPr lvl="0" latinLnBrk="1"/>
-            <a:r>
-              <a:rPr lang="en-US" altLang="ko-KR" dirty="0"/>
+            <a:pPr lvl="0" latinLnBrk="1">
+              <a:buFont typeface="Arial" panose="020B0604020202020204" pitchFamily="34" charset="0"/>
+              <a:buChar char="•"/>
+            </a:pPr>
+            <a:r>
+              <a:rPr lang="en-US" altLang="ko-KR" sz="1900" dirty="0"/>
               <a:t>Title page: Article title, Author names, Affiliations, Corresponding author, Present/Permanent address </a:t>
             </a:r>
             <a:r>
-              <a:rPr lang="ko-KR" altLang="ko-KR" dirty="0"/>
+              <a:rPr lang="ko-KR" altLang="ko-KR" sz="1900" dirty="0"/>
               <a:t>기재</a:t>
             </a:r>
           </a:p>
           <a:p>
-            <a:pPr lvl="0" latinLnBrk="1"/>
-            <a:r>
-              <a:rPr lang="en-US" altLang="ko-KR" dirty="0"/>
+            <a:pPr lvl="0" latinLnBrk="1">
+              <a:buFont typeface="Arial" panose="020B0604020202020204" pitchFamily="34" charset="0"/>
+              <a:buChar char="•"/>
+            </a:pPr>
+            <a:r>
+              <a:rPr lang="en-US" altLang="ko-KR" sz="1900" dirty="0"/>
               <a:t>Abstract: 250</a:t>
             </a:r>
             <a:r>
-              <a:rPr lang="ko-KR" altLang="ko-KR" dirty="0"/>
+              <a:rPr lang="ko-KR" altLang="ko-KR" sz="1900" dirty="0"/>
               <a:t>단어 이내의 독립적인 초록 작성</a:t>
             </a:r>
           </a:p>
           <a:p>
-            <a:pPr lvl="0" latinLnBrk="1"/>
-            <a:r>
-              <a:rPr lang="en-US" altLang="ko-KR" dirty="0"/>
+            <a:pPr lvl="0" latinLnBrk="1">
+              <a:buFont typeface="Arial" panose="020B0604020202020204" pitchFamily="34" charset="0"/>
+              <a:buChar char="•"/>
+            </a:pPr>
+            <a:r>
+              <a:rPr lang="en-US" altLang="ko-KR" sz="1900" dirty="0"/>
               <a:t>Keyword: 1~7</a:t>
             </a:r>
             <a:r>
-              <a:rPr lang="ko-KR" altLang="ko-KR" dirty="0"/>
+              <a:rPr lang="ko-KR" altLang="ko-KR" sz="1900" dirty="0"/>
               <a:t>개의 키워드 영어로 제공</a:t>
             </a:r>
           </a:p>
           <a:p>
-            <a:pPr lvl="0" latinLnBrk="1"/>
-            <a:r>
-              <a:rPr lang="en-US" altLang="ko-KR" dirty="0"/>
+            <a:pPr lvl="0" latinLnBrk="1">
+              <a:buFont typeface="Arial" panose="020B0604020202020204" pitchFamily="34" charset="0"/>
+              <a:buChar char="•"/>
+            </a:pPr>
+            <a:r>
+              <a:rPr lang="en-US" altLang="ko-KR" sz="1900" dirty="0">
+                <a:highlight>
+                  <a:srgbClr val="FFFF00"/>
+                </a:highlight>
+              </a:rPr>
               <a:t>Highlights: </a:t>
             </a:r>
             <a:r>
-              <a:rPr lang="ko-KR" altLang="ko-KR" dirty="0"/>
+              <a:rPr lang="ko-KR" altLang="ko-KR" sz="1900" dirty="0">
+                <a:highlight>
+                  <a:srgbClr val="FFFF00"/>
+                </a:highlight>
+              </a:rPr>
               <a:t>논문의 핵심 성과를 요약한</a:t>
             </a:r>
             <a:r>
-              <a:rPr lang="en-US" altLang="ko-KR" dirty="0"/>
+              <a:rPr lang="en-US" altLang="ko-KR" sz="1900" dirty="0">
+                <a:highlight>
+                  <a:srgbClr val="FFFF00"/>
+                </a:highlight>
+              </a:rPr>
               <a:t> 3~5</a:t>
             </a:r>
             <a:r>
-              <a:rPr lang="ko-KR" altLang="ko-KR" dirty="0"/>
+              <a:rPr lang="ko-KR" altLang="ko-KR" sz="1900" dirty="0">
+                <a:highlight>
+                  <a:srgbClr val="FFFF00"/>
+                </a:highlight>
+              </a:rPr>
               <a:t>개의 하이라이트 항목 제출</a:t>
             </a:r>
-          </a:p>
-          <a:p>
-            <a:pPr lvl="0" latinLnBrk="1"/>
-            <a:r>
-              <a:rPr lang="en-US" altLang="ko-KR" dirty="0"/>
+            <a:r>
+              <a:rPr lang="en-US" altLang="ko-KR" sz="1900" dirty="0">
+                <a:highlight>
+                  <a:srgbClr val="FFFF00"/>
+                </a:highlight>
+              </a:rPr>
+              <a:t>  </a:t>
+            </a:r>
+            <a:r>
+              <a:rPr lang="en-US" altLang="ko-KR" sz="1900" dirty="0"/>
+              <a:t>-&gt; </a:t>
+            </a:r>
+            <a:r>
+              <a:rPr lang="ko-KR" altLang="en-US" sz="1900" dirty="0"/>
+              <a:t>이 논문이 왜 중요한가를 한눈에 볼 수 있음</a:t>
+            </a:r>
+            <a:endParaRPr lang="ko-KR" altLang="ko-KR" sz="1900" dirty="0"/>
+          </a:p>
+          <a:p>
+            <a:pPr lvl="0" latinLnBrk="1">
+              <a:buFont typeface="Arial" panose="020B0604020202020204" pitchFamily="34" charset="0"/>
+              <a:buChar char="•"/>
+            </a:pPr>
+            <a:r>
+              <a:rPr lang="en-US" altLang="ko-KR" sz="1900" dirty="0">
+                <a:highlight>
+                  <a:srgbClr val="FFFF00"/>
+                </a:highlight>
+              </a:rPr>
               <a:t>Graphical Abstract: </a:t>
             </a:r>
             <a:r>
-              <a:rPr lang="ko-KR" altLang="ko-KR" dirty="0"/>
+              <a:rPr lang="ko-KR" altLang="ko-KR" sz="1900" dirty="0">
+                <a:highlight>
+                  <a:srgbClr val="FFFF00"/>
+                </a:highlight>
+              </a:rPr>
               <a:t>논문 내용을 시각적으로 요약한 그래픽 초록 제출을 권장</a:t>
             </a:r>
-          </a:p>
-          <a:p>
-            <a:pPr lvl="0" latinLnBrk="1"/>
-            <a:r>
-              <a:rPr lang="en-US" altLang="ko-KR" dirty="0"/>
+            <a:r>
+              <a:rPr lang="en-US" altLang="ko-KR" sz="1900" dirty="0">
+                <a:highlight>
+                  <a:srgbClr val="FFFF00"/>
+                </a:highlight>
+              </a:rPr>
+              <a:t> </a:t>
+            </a:r>
+            <a:r>
+              <a:rPr lang="en-US" altLang="ko-KR" sz="1900" dirty="0"/>
+              <a:t>-&gt; </a:t>
+            </a:r>
+            <a:r>
+              <a:rPr lang="ko-KR" altLang="en-US" sz="2000" dirty="0"/>
+              <a:t>유체</a:t>
+            </a:r>
+            <a:r>
+              <a:rPr lang="en-US" altLang="ko-KR" sz="2000" dirty="0"/>
+              <a:t>–</a:t>
+            </a:r>
+            <a:r>
+              <a:rPr lang="ko-KR" altLang="en-US" sz="2000" dirty="0"/>
+              <a:t>구조 상호작용을 그림으로 설명</a:t>
+            </a:r>
+            <a:endParaRPr lang="ko-KR" altLang="ko-KR" sz="1900" dirty="0"/>
+          </a:p>
+          <a:p>
+            <a:pPr lvl="0" latinLnBrk="1">
+              <a:buFont typeface="Arial" panose="020B0604020202020204" pitchFamily="34" charset="0"/>
+              <a:buChar char="•"/>
+            </a:pPr>
+            <a:r>
+              <a:rPr lang="en-US" altLang="ko-KR" sz="1900" dirty="0"/>
               <a:t>Units, classifications codes and nomenclature: SI</a:t>
             </a:r>
-            <a:endParaRPr lang="ko-KR" altLang="ko-KR" dirty="0"/>
-          </a:p>
-          <a:p>
-            <a:pPr lvl="0" latinLnBrk="1"/>
-            <a:r>
-              <a:rPr lang="en-US" altLang="ko-KR" dirty="0"/>
+            <a:endParaRPr lang="ko-KR" altLang="ko-KR" sz="1900" dirty="0"/>
+          </a:p>
+          <a:p>
+            <a:pPr lvl="0" latinLnBrk="1">
+              <a:buFont typeface="Arial" panose="020B0604020202020204" pitchFamily="34" charset="0"/>
+              <a:buChar char="•"/>
+            </a:pPr>
+            <a:r>
+              <a:rPr lang="en-US" altLang="ko-KR" sz="1900" dirty="0"/>
               <a:t>Math formulae: </a:t>
             </a:r>
             <a:r>
-              <a:rPr lang="ko-KR" altLang="ko-KR" dirty="0"/>
+              <a:rPr lang="ko-KR" altLang="ko-KR" sz="1900" dirty="0"/>
               <a:t>편집가능한 텍스트 형태</a:t>
             </a:r>
           </a:p>
           <a:p>
-            <a:pPr lvl="0" latinLnBrk="1"/>
-            <a:r>
-              <a:rPr lang="en-US" altLang="ko-KR" dirty="0"/>
+            <a:pPr lvl="0" latinLnBrk="1">
+              <a:buFont typeface="Arial" panose="020B0604020202020204" pitchFamily="34" charset="0"/>
+              <a:buChar char="•"/>
+            </a:pPr>
+            <a:r>
+              <a:rPr lang="en-US" altLang="ko-KR" sz="1900" dirty="0"/>
               <a:t>Tables: </a:t>
             </a:r>
             <a:r>
-              <a:rPr lang="ko-KR" altLang="ko-KR" dirty="0"/>
+              <a:rPr lang="ko-KR" altLang="ko-KR" sz="1900" dirty="0"/>
               <a:t>편집가능한 텍스트 형태</a:t>
             </a:r>
           </a:p>
           <a:p>
-            <a:pPr lvl="0" latinLnBrk="1"/>
-            <a:r>
-              <a:rPr lang="en-US" altLang="ko-KR" dirty="0"/>
+            <a:pPr lvl="0" latinLnBrk="1">
+              <a:buFont typeface="Arial" panose="020B0604020202020204" pitchFamily="34" charset="0"/>
+              <a:buChar char="•"/>
+            </a:pPr>
+            <a:r>
+              <a:rPr lang="en-US" altLang="ko-KR" sz="1900" dirty="0"/>
               <a:t>Figures, images and artwork: </a:t>
             </a:r>
             <a:r>
-              <a:rPr lang="ko-KR" altLang="ko-KR" dirty="0"/>
+              <a:rPr lang="ko-KR" altLang="ko-KR" sz="1900" dirty="0"/>
               <a:t>원고와 함께 별도의 파일로</a:t>
             </a:r>
           </a:p>
           <a:p>
-            <a:pPr lvl="0" latinLnBrk="1"/>
-            <a:r>
-              <a:rPr lang="en-US" altLang="ko-KR" dirty="0"/>
+            <a:pPr lvl="0" latinLnBrk="1">
+              <a:buFont typeface="Arial" panose="020B0604020202020204" pitchFamily="34" charset="0"/>
+              <a:buChar char="•"/>
+            </a:pPr>
+            <a:r>
+              <a:rPr lang="en-US" altLang="ko-KR" sz="1900" dirty="0"/>
               <a:t>Generative AI and Figures, Images and Artwork: </a:t>
             </a:r>
             <a:r>
-              <a:rPr lang="ko-KR" altLang="ko-KR" dirty="0"/>
+              <a:rPr lang="ko-KR" altLang="ko-KR" sz="1900" dirty="0"/>
               <a:t>그림</a:t>
             </a:r>
             <a:r>
-              <a:rPr lang="en-US" altLang="ko-KR" dirty="0"/>
+              <a:rPr lang="en-US" altLang="ko-KR" sz="1900" dirty="0"/>
               <a:t>·</a:t>
             </a:r>
             <a:r>
-              <a:rPr lang="ko-KR" altLang="ko-KR" dirty="0"/>
+              <a:rPr lang="ko-KR" altLang="ko-KR" sz="1900" dirty="0"/>
               <a:t>이미지 제작 시 생성형</a:t>
             </a:r>
             <a:r>
-              <a:rPr lang="en-US" altLang="ko-KR" dirty="0"/>
+              <a:rPr lang="en-US" altLang="ko-KR" sz="1900" dirty="0"/>
               <a:t> AI </a:t>
             </a:r>
             <a:r>
-              <a:rPr lang="ko-KR" altLang="ko-KR" dirty="0"/>
+              <a:rPr lang="ko-KR" altLang="ko-KR" sz="1900" dirty="0"/>
               <a:t>사용을 허용하되</a:t>
             </a:r>
             <a:r>
-              <a:rPr lang="en-US" altLang="ko-KR" dirty="0"/>
+              <a:rPr lang="en-US" altLang="ko-KR" sz="1900" dirty="0"/>
               <a:t>, Elsevier</a:t>
             </a:r>
             <a:r>
-              <a:rPr lang="ko-KR" altLang="ko-KR" dirty="0"/>
+              <a:rPr lang="ko-KR" altLang="ko-KR" sz="1900" dirty="0"/>
               <a:t>의 생성형</a:t>
             </a:r>
             <a:r>
-              <a:rPr lang="en-US" altLang="ko-KR" dirty="0"/>
+              <a:rPr lang="en-US" altLang="ko-KR" sz="1900" dirty="0"/>
               <a:t> AI </a:t>
             </a:r>
             <a:r>
-              <a:rPr lang="ko-KR" altLang="ko-KR" dirty="0"/>
+              <a:rPr lang="ko-KR" altLang="ko-KR" sz="1900" dirty="0"/>
               <a:t>정책 준수를 요구</a:t>
             </a:r>
           </a:p>
           <a:p>
-            <a:pPr lvl="0" latinLnBrk="1"/>
-            <a:r>
-              <a:rPr lang="en-US" altLang="ko-KR" dirty="0"/>
+            <a:pPr lvl="0" latinLnBrk="1">
+              <a:buFont typeface="Arial" panose="020B0604020202020204" pitchFamily="34" charset="0"/>
+              <a:buChar char="•"/>
+            </a:pPr>
+            <a:r>
+              <a:rPr lang="en-US" altLang="ko-KR" sz="1900" dirty="0"/>
               <a:t>Supplementary material: </a:t>
             </a:r>
             <a:r>
-              <a:rPr lang="ko-KR" altLang="ko-KR" dirty="0"/>
+              <a:rPr lang="ko-KR" altLang="ko-KR" sz="1900" dirty="0"/>
               <a:t>연구를 보완하는 부록 자료 제출을 권장</a:t>
             </a:r>
           </a:p>
           <a:p>
-            <a:pPr lvl="0" latinLnBrk="1"/>
-            <a:r>
-              <a:rPr lang="en-US" altLang="ko-KR" dirty="0"/>
+            <a:pPr lvl="0" latinLnBrk="1">
+              <a:buFont typeface="Arial" panose="020B0604020202020204" pitchFamily="34" charset="0"/>
+              <a:buChar char="•"/>
+            </a:pPr>
+            <a:r>
+              <a:rPr lang="en-US" altLang="ko-KR" sz="1900" dirty="0"/>
               <a:t>Video: </a:t>
             </a:r>
             <a:r>
-              <a:rPr lang="ko-KR" altLang="ko-KR" dirty="0"/>
+              <a:rPr lang="ko-KR" altLang="ko-KR" sz="1900" dirty="0"/>
               <a:t>링크나 파일로 제출</a:t>
             </a:r>
           </a:p>
           <a:p>
-            <a:pPr lvl="0" latinLnBrk="1"/>
-            <a:r>
-              <a:rPr lang="en-US" altLang="ko-KR" dirty="0"/>
+            <a:pPr lvl="0" latinLnBrk="1">
+              <a:buFont typeface="Arial" panose="020B0604020202020204" pitchFamily="34" charset="0"/>
+              <a:buChar char="•"/>
+            </a:pPr>
+            <a:r>
+              <a:rPr lang="en-US" altLang="ko-KR" sz="1900" dirty="0"/>
               <a:t>Research data: </a:t>
             </a:r>
             <a:r>
-              <a:rPr lang="ko-KR" altLang="ko-KR" dirty="0"/>
+              <a:rPr lang="ko-KR" altLang="ko-KR" sz="1900" dirty="0"/>
               <a:t>연구 데이터의 저장과 공유를 장려</a:t>
             </a:r>
           </a:p>
           <a:p>
-            <a:pPr lvl="0" latinLnBrk="1"/>
-            <a:r>
-              <a:rPr lang="en-US" altLang="ko-KR" dirty="0"/>
+            <a:pPr lvl="0" latinLnBrk="1">
+              <a:buFont typeface="Arial" panose="020B0604020202020204" pitchFamily="34" charset="0"/>
+              <a:buChar char="•"/>
+            </a:pPr>
+            <a:r>
+              <a:rPr lang="en-US" altLang="ko-KR" sz="1900" dirty="0"/>
               <a:t>Data statement: </a:t>
             </a:r>
             <a:r>
-              <a:rPr lang="ko-KR" altLang="ko-KR" dirty="0"/>
+              <a:rPr lang="ko-KR" altLang="ko-KR" sz="1900" dirty="0"/>
               <a:t>연구 데이터의 이용 가능 여부 명시</a:t>
             </a:r>
           </a:p>
           <a:p>
-            <a:pPr lvl="0" latinLnBrk="1"/>
-            <a:r>
-              <a:rPr lang="en-US" altLang="ko-KR" dirty="0"/>
+            <a:pPr lvl="0" latinLnBrk="1">
+              <a:buFont typeface="Arial" panose="020B0604020202020204" pitchFamily="34" charset="0"/>
+              <a:buChar char="•"/>
+            </a:pPr>
+            <a:r>
+              <a:rPr lang="en-US" altLang="ko-KR" sz="1900" dirty="0"/>
               <a:t>Reference: </a:t>
             </a:r>
             <a:r>
-              <a:rPr lang="ko-KR" altLang="ko-KR" dirty="0"/>
+              <a:rPr lang="ko-KR" altLang="ko-KR" sz="1900" dirty="0"/>
               <a:t>숫자형 인용 방식을 사용하며</a:t>
             </a:r>
             <a:r>
-              <a:rPr lang="en-US" altLang="ko-KR" dirty="0"/>
+              <a:rPr lang="en-US" altLang="ko-KR" sz="1900" dirty="0"/>
               <a:t> DOI·</a:t>
             </a:r>
             <a:r>
-              <a:rPr lang="ko-KR" altLang="ko-KR" dirty="0"/>
+              <a:rPr lang="ko-KR" altLang="ko-KR" sz="1900" dirty="0"/>
               <a:t>데이터 인용</a:t>
             </a:r>
           </a:p>
